--- a/slides/Lecture18-04-01-25-RandomNumbers-2.pptx
+++ b/slides/Lecture18-04-01-25-RandomNumbers-2.pptx
@@ -291,7 +291,7 @@
           <a:p>
             <a:fld id="{961AF02B-09B0-4980-983D-27C0EDB561B5}" type="datetimeFigureOut">
               <a:rPr lang="uk-UA" smtClean="0"/>
-              <a:t>31.03.25</a:t>
+              <a:t>03.04.25</a:t>
             </a:fld>
             <a:endParaRPr lang="uk-UA"/>
           </a:p>
@@ -7377,7 +7377,7 @@
               <a:rPr lang="en-US" dirty="0">
                 <a:hlinkClick r:id="rId5"/>
               </a:rPr>
-              <a:t>https://github.com/vlvovch/PHYS6350-ComputationalPhysics</a:t>
+              <a:t>https://github.com/vlvovch/PHYS6350-ComputationalPhysics/tree/spring2025</a:t>
             </a:r>
             <a:endParaRPr lang="en-US" dirty="0"/>
           </a:p>
@@ -17888,10 +17888,10 @@
       </p:sp>
       <p:pic>
         <p:nvPicPr>
-          <p:cNvPr id="17" name="Picture 16">
-            <a:extLst>
-              <a:ext uri="{FF2B5EF4-FFF2-40B4-BE49-F238E27FC236}">
-                <a16:creationId xmlns:a16="http://schemas.microsoft.com/office/drawing/2014/main" id="{3F9E9ED0-41F3-957A-719F-8CC775CD6348}"/>
+          <p:cNvPr id="18" name="Picture 17">
+            <a:extLst>
+              <a:ext uri="{FF2B5EF4-FFF2-40B4-BE49-F238E27FC236}">
+                <a16:creationId xmlns:a16="http://schemas.microsoft.com/office/drawing/2014/main" id="{CDA2D88B-FF85-9D69-1658-5AA1EC365018}"/>
               </a:ext>
             </a:extLst>
           </p:cNvPr>
@@ -17902,36 +17902,6 @@
         </p:nvPicPr>
         <p:blipFill>
           <a:blip r:embed="rId7"/>
-          <a:stretch>
-            <a:fillRect/>
-          </a:stretch>
-        </p:blipFill>
-        <p:spPr>
-          <a:xfrm>
-            <a:off x="4387850" y="3079750"/>
-            <a:ext cx="3416300" cy="698500"/>
-          </a:xfrm>
-          <a:prstGeom prst="rect">
-            <a:avLst/>
-          </a:prstGeom>
-        </p:spPr>
-      </p:pic>
-      <p:pic>
-        <p:nvPicPr>
-          <p:cNvPr id="18" name="Picture 17">
-            <a:extLst>
-              <a:ext uri="{FF2B5EF4-FFF2-40B4-BE49-F238E27FC236}">
-                <a16:creationId xmlns:a16="http://schemas.microsoft.com/office/drawing/2014/main" id="{CDA2D88B-FF85-9D69-1658-5AA1EC365018}"/>
-              </a:ext>
-            </a:extLst>
-          </p:cNvPr>
-          <p:cNvPicPr>
-            <a:picLocks noChangeAspect="1"/>
-          </p:cNvPicPr>
-          <p:nvPr/>
-        </p:nvPicPr>
-        <p:blipFill>
-          <a:blip r:embed="rId8"/>
           <a:stretch>
             <a:fillRect/>
           </a:stretch>
@@ -17961,7 +17931,7 @@
           <p:nvPr/>
         </p:nvPicPr>
         <p:blipFill>
-          <a:blip r:embed="rId9"/>
+          <a:blip r:embed="rId8"/>
           <a:stretch>
             <a:fillRect/>
           </a:stretch>
@@ -18027,7 +17997,7 @@
           <p:nvPr/>
         </p:nvPicPr>
         <p:blipFill>
-          <a:blip r:embed="rId10"/>
+          <a:blip r:embed="rId9"/>
           <a:stretch>
             <a:fillRect/>
           </a:stretch>
